--- a/slides/Python Crash Course.pptx
+++ b/slides/Python Crash Course.pptx
@@ -1668,7 +1668,7 @@
           <a:p>
             <a:fld id="{6D6E61F9-FC32-9E4E-82BF-2B724171432F}" type="datetimeFigureOut">
               <a:rPr lang="it-IT" smtClean="0"/>
-              <a:t>05/01/2022</a:t>
+              <a:t>08/01/2023</a:t>
             </a:fld>
             <a:endParaRPr lang="it-IT"/>
           </a:p>
@@ -1905,7 +1905,7 @@
           </p:cNvGraphicFramePr>
           <p:nvPr userDrawn="1">
             <p:custDataLst>
-              <p:tags r:id="rId2"/>
+              <p:tags r:id="rId1"/>
             </p:custDataLst>
           </p:nvPr>
         </p:nvGraphicFramePr>
@@ -1917,12 +1917,12 @@
           <a:graphicData uri="http://schemas.openxmlformats.org/presentationml/2006/ole">
             <mc:AlternateContent xmlns:mc="http://schemas.openxmlformats.org/markup-compatibility/2006">
               <mc:Choice xmlns:v="urn:schemas-microsoft-com:vml" Requires="v">
-                <p:oleObj spid="_x0000_s2057" name="think-cell Slide" r:id="rId4" imgW="270" imgH="270" progId="TCLayout.ActiveDocument.1">
+                <p:oleObj name="think-cell Slide" r:id="rId3" imgW="270" imgH="270" progId="TCLayout.ActiveDocument.1">
                   <p:embed/>
                 </p:oleObj>
               </mc:Choice>
               <mc:Fallback>
-                <p:oleObj name="think-cell Slide" r:id="rId4" imgW="270" imgH="270" progId="TCLayout.ActiveDocument.1">
+                <p:oleObj name="think-cell Slide" r:id="rId3" imgW="270" imgH="270" progId="TCLayout.ActiveDocument.1">
                   <p:embed/>
                   <p:pic>
                     <p:nvPicPr>
@@ -1931,7 +1931,7 @@
                       <p:nvPr/>
                     </p:nvPicPr>
                     <p:blipFill>
-                      <a:blip r:embed="rId5"/>
+                      <a:blip r:embed="rId4"/>
                       <a:stretch>
                         <a:fillRect/>
                       </a:stretch>
@@ -1967,7 +1967,7 @@
           <p:nvPr userDrawn="1"/>
         </p:nvPicPr>
         <p:blipFill>
-          <a:blip r:embed="rId6" cstate="screen">
+          <a:blip r:embed="rId5" cstate="screen">
             <a:extLst>
               <a:ext uri="{28A0092B-C50C-407E-A947-70E740481C1C}">
                 <a14:useLocalDpi xmlns:a14="http://schemas.microsoft.com/office/drawing/2010/main" val="0"/>
@@ -3473,7 +3473,7 @@
           </p:cNvGraphicFramePr>
           <p:nvPr userDrawn="1">
             <p:custDataLst>
-              <p:tags r:id="rId4"/>
+              <p:tags r:id="rId3"/>
             </p:custDataLst>
           </p:nvPr>
         </p:nvGraphicFramePr>
@@ -3485,12 +3485,12 @@
           <a:graphicData uri="http://schemas.openxmlformats.org/presentationml/2006/ole">
             <mc:AlternateContent xmlns:mc="http://schemas.openxmlformats.org/markup-compatibility/2006">
               <mc:Choice xmlns:v="urn:schemas-microsoft-com:vml" Requires="v">
-                <p:oleObj spid="_x0000_s1033" name="think-cell Slide" r:id="rId6" imgW="270" imgH="270" progId="TCLayout.ActiveDocument.1">
+                <p:oleObj name="think-cell Slide" r:id="rId5" imgW="270" imgH="270" progId="TCLayout.ActiveDocument.1">
                   <p:embed/>
                 </p:oleObj>
               </mc:Choice>
               <mc:Fallback>
-                <p:oleObj name="think-cell Slide" r:id="rId6" imgW="270" imgH="270" progId="TCLayout.ActiveDocument.1">
+                <p:oleObj name="think-cell Slide" r:id="rId5" imgW="270" imgH="270" progId="TCLayout.ActiveDocument.1">
                   <p:embed/>
                   <p:pic>
                     <p:nvPicPr>
@@ -3499,7 +3499,7 @@
                       <p:nvPr/>
                     </p:nvPicPr>
                     <p:blipFill>
-                      <a:blip r:embed="rId7"/>
+                      <a:blip r:embed="rId6"/>
                       <a:stretch>
                         <a:fillRect/>
                       </a:stretch>
@@ -3532,7 +3532,7 @@
           <p:cNvSpPr/>
           <p:nvPr userDrawn="1">
             <p:custDataLst>
-              <p:tags r:id="rId5"/>
+              <p:tags r:id="rId4"/>
             </p:custDataLst>
           </p:nvPr>
         </p:nvSpPr>
@@ -4170,7 +4170,19 @@
               <a:rPr lang="it-IT" sz="1050" dirty="0">
                 <a:latin typeface="Haarlem Deco DEMO" pitchFamily="2" charset="0"/>
               </a:rPr>
-              <a:t>08 January 2022</a:t>
+              <a:t>09 </a:t>
+            </a:r>
+            <a:r>
+              <a:rPr lang="it-IT" sz="1050" dirty="0" err="1">
+                <a:latin typeface="Haarlem Deco DEMO" pitchFamily="2" charset="0"/>
+              </a:rPr>
+              <a:t>January</a:t>
+            </a:r>
+            <a:r>
+              <a:rPr lang="it-IT" sz="1050" dirty="0">
+                <a:latin typeface="Haarlem Deco DEMO" pitchFamily="2" charset="0"/>
+              </a:rPr>
+              <a:t> 2023</a:t>
             </a:r>
           </a:p>
         </p:txBody>
@@ -4310,7 +4322,7 @@
         <p:spPr>
           <a:xfrm>
             <a:off x="360739" y="1131499"/>
-            <a:ext cx="8227676" cy="3276282"/>
+            <a:ext cx="8227676" cy="3737946"/>
           </a:xfrm>
           <a:prstGeom prst="rect">
             <a:avLst/>
@@ -4364,7 +4376,7 @@
               <a:rPr lang="it-IT" sz="2000" dirty="0">
                 <a:latin typeface="Haarlem Deco DEMO" pitchFamily="2" charset="0"/>
               </a:rPr>
-              <a:t>Focus on: Corporate Finance and Office Automation</a:t>
+              <a:t>Focus on: Corporate Finance and Data Analytics</a:t>
             </a:r>
           </a:p>
           <a:p>
@@ -4379,8 +4391,30 @@
               <a:rPr lang="it-IT" sz="2000" dirty="0">
                 <a:latin typeface="Haarlem Deco DEMO" pitchFamily="2" charset="0"/>
               </a:rPr>
-              <a:t>Taught last Python Crash Course</a:t>
-            </a:r>
+              <a:t>Founder @ </a:t>
+            </a:r>
+            <a:r>
+              <a:rPr lang="it-IT" sz="2000" dirty="0">
+                <a:solidFill>
+                  <a:srgbClr val="0070C0"/>
+                </a:solidFill>
+                <a:latin typeface="Haarlem Deco DEMO" pitchFamily="2" charset="0"/>
+                <a:hlinkClick r:id="rId3">
+                  <a:extLst>
+                    <a:ext uri="{A12FA001-AC4F-418D-AE19-62706E023703}">
+                      <ahyp:hlinkClr xmlns:ahyp="http://schemas.microsoft.com/office/drawing/2018/hyperlinkcolor" val="tx"/>
+                    </a:ext>
+                  </a:extLst>
+                </a:hlinkClick>
+              </a:rPr>
+              <a:t>Exibero</a:t>
+            </a:r>
+            <a:endParaRPr lang="it-IT" sz="2000" dirty="0">
+              <a:solidFill>
+                <a:srgbClr val="0070C0"/>
+              </a:solidFill>
+              <a:latin typeface="Haarlem Deco DEMO" pitchFamily="2" charset="0"/>
+            </a:endParaRPr>
           </a:p>
           <a:p>
             <a:pPr marL="342900" indent="-342900">
@@ -4394,6 +4428,21 @@
               <a:rPr lang="it-IT" sz="2000" dirty="0">
                 <a:latin typeface="Haarlem Deco DEMO" pitchFamily="2" charset="0"/>
               </a:rPr>
+              <a:t>Taught last 2 Python Crash Courses</a:t>
+            </a:r>
+          </a:p>
+          <a:p>
+            <a:pPr marL="342900" indent="-342900">
+              <a:lnSpc>
+                <a:spcPct val="150000"/>
+              </a:lnSpc>
+              <a:buFont typeface="Arial" panose="020B0604020202020204" pitchFamily="34" charset="0"/>
+              <a:buChar char="•"/>
+            </a:pPr>
+            <a:r>
+              <a:rPr lang="it-IT" sz="2000" dirty="0">
+                <a:latin typeface="Haarlem Deco DEMO" pitchFamily="2" charset="0"/>
+              </a:rPr>
               <a:t>Linkedin: </a:t>
             </a:r>
             <a:r>
@@ -4402,7 +4451,7 @@
                   <a:srgbClr val="0070C0"/>
                 </a:solidFill>
                 <a:latin typeface="Haarlem Deco DEMO" pitchFamily="2" charset="0"/>
-                <a:hlinkClick r:id="rId3">
+                <a:hlinkClick r:id="rId4">
                   <a:extLst>
                     <a:ext uri="{A12FA001-AC4F-418D-AE19-62706E023703}">
                       <ahyp:hlinkClr xmlns:ahyp="http://schemas.microsoft.com/office/drawing/2018/hyperlinkcolor" val="tx"/>
@@ -4565,7 +4614,19 @@
               <a:rPr lang="it-IT" sz="2000" b="1" dirty="0">
                 <a:latin typeface="Haarlem Deco DEMO" pitchFamily="2" charset="0"/>
               </a:rPr>
-              <a:t>Slot 1 - Introduction:</a:t>
+              <a:t>Slot 1 (</a:t>
+            </a:r>
+            <a:r>
+              <a:rPr lang="it-IT" sz="2000" b="1" dirty="0" err="1">
+                <a:latin typeface="Haarlem Deco DEMO" pitchFamily="2" charset="0"/>
+              </a:rPr>
+              <a:t>Jan</a:t>
+            </a:r>
+            <a:r>
+              <a:rPr lang="it-IT" sz="2000" b="1" dirty="0">
+                <a:latin typeface="Haarlem Deco DEMO" pitchFamily="2" charset="0"/>
+              </a:rPr>
+              <a:t> 8) – Introduction:</a:t>
             </a:r>
           </a:p>
           <a:p>
@@ -4577,20 +4638,19 @@
               <a:rPr lang="it-IT" sz="2000" dirty="0">
                 <a:latin typeface="Haarlem Deco DEMO" pitchFamily="2" charset="0"/>
               </a:rPr>
-              <a:t>data types (ints, floats, strings, bools)</a:t>
-            </a:r>
-          </a:p>
-          <a:p>
-            <a:endParaRPr lang="it-IT" sz="2000" b="1" dirty="0">
-              <a:latin typeface="Haarlem Deco DEMO" pitchFamily="2" charset="0"/>
-            </a:endParaRPr>
-          </a:p>
-          <a:p>
-            <a:r>
-              <a:rPr lang="it-IT" sz="2000" b="1" dirty="0">
-                <a:latin typeface="Haarlem Deco DEMO" pitchFamily="2" charset="0"/>
-              </a:rPr>
-              <a:t>Slot 2 – «guess a number» game:</a:t>
+              <a:t>data types (ints, floats, strings, </a:t>
+            </a:r>
+            <a:r>
+              <a:rPr lang="it-IT" sz="2000" dirty="0" err="1">
+                <a:latin typeface="Haarlem Deco DEMO" pitchFamily="2" charset="0"/>
+              </a:rPr>
+              <a:t>bools</a:t>
+            </a:r>
+            <a:r>
+              <a:rPr lang="it-IT" sz="2000" dirty="0">
+                <a:latin typeface="Haarlem Deco DEMO" pitchFamily="2" charset="0"/>
+              </a:rPr>
+              <a:t>)</a:t>
             </a:r>
           </a:p>
           <a:p>
@@ -4599,10 +4659,38 @@
               <a:buChar char="•"/>
             </a:pPr>
             <a:r>
-              <a:rPr lang="it-IT" sz="2000" dirty="0">
-                <a:latin typeface="Haarlem Deco DEMO" pitchFamily="2" charset="0"/>
-              </a:rPr>
-              <a:t>data types (list, dict)</a:t>
+              <a:rPr lang="it-IT" sz="2000" dirty="0" err="1">
+                <a:latin typeface="Haarlem Deco DEMO" pitchFamily="2" charset="0"/>
+              </a:rPr>
+              <a:t>conditionals</a:t>
+            </a:r>
+            <a:endParaRPr lang="it-IT" sz="2000" dirty="0">
+              <a:latin typeface="Haarlem Deco DEMO" pitchFamily="2" charset="0"/>
+            </a:endParaRPr>
+          </a:p>
+          <a:p>
+            <a:endParaRPr lang="it-IT" sz="2000" b="1" dirty="0">
+              <a:latin typeface="Haarlem Deco DEMO" pitchFamily="2" charset="0"/>
+            </a:endParaRPr>
+          </a:p>
+          <a:p>
+            <a:r>
+              <a:rPr lang="it-IT" sz="2000" b="1" dirty="0">
+                <a:latin typeface="Haarlem Deco DEMO" pitchFamily="2" charset="0"/>
+              </a:rPr>
+              <a:t>Slot 2 (</a:t>
+            </a:r>
+            <a:r>
+              <a:rPr lang="it-IT" sz="2000" b="1" dirty="0" err="1">
+                <a:latin typeface="Haarlem Deco DEMO" pitchFamily="2" charset="0"/>
+              </a:rPr>
+              <a:t>Jan</a:t>
+            </a:r>
+            <a:r>
+              <a:rPr lang="it-IT" sz="2000" b="1" dirty="0">
+                <a:latin typeface="Haarlem Deco DEMO" pitchFamily="2" charset="0"/>
+              </a:rPr>
+              <a:t> 9) – «guess a number» game:</a:t>
             </a:r>
           </a:p>
           <a:p>
@@ -4614,20 +4702,7 @@
               <a:rPr lang="it-IT" sz="2000" dirty="0">
                 <a:latin typeface="Haarlem Deco DEMO" pitchFamily="2" charset="0"/>
               </a:rPr>
-              <a:t>loops</a:t>
-            </a:r>
-          </a:p>
-          <a:p>
-            <a:endParaRPr lang="it-IT" sz="2000" dirty="0">
-              <a:latin typeface="Haarlem Deco DEMO" pitchFamily="2" charset="0"/>
-            </a:endParaRPr>
-          </a:p>
-          <a:p>
-            <a:r>
-              <a:rPr lang="it-IT" sz="2000" b="1" dirty="0">
-                <a:latin typeface="Haarlem Deco DEMO" pitchFamily="2" charset="0"/>
-              </a:rPr>
-              <a:t>Slot 3 – «what’s your favourite tv series» game:</a:t>
+              <a:t>data types (list, dict)</a:t>
             </a:r>
           </a:p>
           <a:p>
@@ -4639,7 +4714,7 @@
               <a:rPr lang="it-IT" sz="2000" dirty="0">
                 <a:latin typeface="Haarlem Deco DEMO" pitchFamily="2" charset="0"/>
               </a:rPr>
-              <a:t>functions</a:t>
+              <a:t>loops</a:t>
             </a:r>
           </a:p>
           <a:p>
@@ -4652,7 +4727,19 @@
               <a:rPr lang="it-IT" sz="2000" b="1" dirty="0">
                 <a:latin typeface="Haarlem Deco DEMO" pitchFamily="2" charset="0"/>
               </a:rPr>
-              <a:t>Slot 4 – web scraping for wines:</a:t>
+              <a:t>Slot 3 (</a:t>
+            </a:r>
+            <a:r>
+              <a:rPr lang="it-IT" sz="2000" b="1" dirty="0" err="1">
+                <a:latin typeface="Haarlem Deco DEMO" pitchFamily="2" charset="0"/>
+              </a:rPr>
+              <a:t>Jan</a:t>
+            </a:r>
+            <a:r>
+              <a:rPr lang="it-IT" sz="2000" b="1" dirty="0">
+                <a:latin typeface="Haarlem Deco DEMO" pitchFamily="2" charset="0"/>
+              </a:rPr>
+              <a:t> 11) – «what’s your favourite tv series» game:</a:t>
             </a:r>
           </a:p>
           <a:p>
@@ -4664,7 +4751,32 @@
               <a:rPr lang="it-IT" sz="2000" dirty="0">
                 <a:latin typeface="Haarlem Deco DEMO" pitchFamily="2" charset="0"/>
               </a:rPr>
-              <a:t>connecting to a website</a:t>
+              <a:t>functions</a:t>
+            </a:r>
+          </a:p>
+          <a:p>
+            <a:endParaRPr lang="it-IT" sz="2000" dirty="0">
+              <a:latin typeface="Haarlem Deco DEMO" pitchFamily="2" charset="0"/>
+            </a:endParaRPr>
+          </a:p>
+          <a:p>
+            <a:r>
+              <a:rPr lang="it-IT" sz="2000" b="1" dirty="0">
+                <a:latin typeface="Haarlem Deco DEMO" pitchFamily="2" charset="0"/>
+              </a:rPr>
+              <a:t>Slot 4 (</a:t>
+            </a:r>
+            <a:r>
+              <a:rPr lang="it-IT" sz="2000" b="1" dirty="0" err="1">
+                <a:latin typeface="Haarlem Deco DEMO" pitchFamily="2" charset="0"/>
+              </a:rPr>
+              <a:t>Jan</a:t>
+            </a:r>
+            <a:r>
+              <a:rPr lang="it-IT" sz="2000" b="1" dirty="0">
+                <a:latin typeface="Haarlem Deco DEMO" pitchFamily="2" charset="0"/>
+              </a:rPr>
+              <a:t> 14) – web scraping for wines:</a:t>
             </a:r>
           </a:p>
           <a:p>
@@ -4676,7 +4788,7 @@
               <a:rPr lang="it-IT" sz="2000" dirty="0">
                 <a:latin typeface="Haarlem Deco DEMO" pitchFamily="2" charset="0"/>
               </a:rPr>
-              <a:t>downloading data</a:t>
+              <a:t>connecting to a website</a:t>
             </a:r>
           </a:p>
           <a:p>
@@ -4684,9 +4796,12 @@
               <a:buFont typeface="Arial" panose="020B0604020202020204" pitchFamily="34" charset="0"/>
               <a:buChar char="•"/>
             </a:pPr>
-            <a:endParaRPr lang="it-IT" sz="2000" dirty="0">
-              <a:latin typeface="Haarlem Deco DEMO" pitchFamily="2" charset="0"/>
-            </a:endParaRPr>
+            <a:r>
+              <a:rPr lang="it-IT" sz="2000" dirty="0">
+                <a:latin typeface="Haarlem Deco DEMO" pitchFamily="2" charset="0"/>
+              </a:rPr>
+              <a:t>downloading data</a:t>
+            </a:r>
           </a:p>
         </p:txBody>
       </p:sp>
@@ -5174,7 +5289,7 @@
               <a:buChar char="•"/>
             </a:pPr>
             <a:r>
-              <a:rPr lang="it-IT" sz="2000" dirty="0">
+              <a:rPr lang="en-GB" sz="2000" dirty="0">
                 <a:latin typeface="Haarlem Deco DEMO" pitchFamily="2" charset="0"/>
               </a:rPr>
               <a:t>Turn camera on </a:t>
@@ -5186,7 +5301,7 @@
               <a:buChar char="•"/>
             </a:pPr>
             <a:r>
-              <a:rPr lang="it-IT" sz="2000" dirty="0">
+              <a:rPr lang="en-GB" sz="2000" dirty="0">
                 <a:latin typeface="Haarlem Deco DEMO" pitchFamily="2" charset="0"/>
               </a:rPr>
               <a:t>Try to do as many exercises as possible</a:t>
@@ -5198,7 +5313,7 @@
               <a:buChar char="•"/>
             </a:pPr>
             <a:r>
-              <a:rPr lang="it-IT" sz="2000" dirty="0">
+              <a:rPr lang="en-GB" sz="2000" dirty="0">
                 <a:latin typeface="Haarlem Deco DEMO" pitchFamily="2" charset="0"/>
               </a:rPr>
               <a:t>Ask questions / feedback</a:t>
@@ -5210,25 +5325,36 @@
               <a:buChar char="•"/>
             </a:pPr>
             <a:r>
-              <a:rPr lang="it-IT" sz="2000" dirty="0">
+              <a:rPr lang="en-GB" sz="2000" dirty="0">
                 <a:latin typeface="Haarlem Deco DEMO" pitchFamily="2" charset="0"/>
               </a:rPr>
               <a:t>Complete a short questionnaire using </a:t>
             </a:r>
             <a:r>
-              <a:rPr lang="it-IT" sz="2000" b="1" dirty="0">
+              <a:rPr lang="en-GB" sz="2000" b="1" dirty="0">
                 <a:latin typeface="Haarlem Deco DEMO" pitchFamily="2" charset="0"/>
               </a:rPr>
               <a:t>only</a:t>
             </a:r>
             <a:r>
-              <a:rPr lang="it-IT" sz="2000" dirty="0">
-                <a:latin typeface="Haarlem Deco DEMO" pitchFamily="2" charset="0"/>
-              </a:rPr>
-              <a:t> your knowledge </a:t>
-            </a:r>
-            <a:r>
-              <a:rPr lang="it-IT" sz="2000" dirty="0">
+              <a:rPr lang="en-GB" sz="2000" dirty="0">
+                <a:latin typeface="Haarlem Deco DEMO" pitchFamily="2" charset="0"/>
+              </a:rPr>
+              <a:t> your knowledge</a:t>
+            </a:r>
+          </a:p>
+          <a:p>
+            <a:r>
+              <a:rPr lang="en-GB" sz="2000" dirty="0">
+                <a:solidFill>
+                  <a:srgbClr val="0070C0"/>
+                </a:solidFill>
+                <a:latin typeface="Haarlem Deco DEMO" pitchFamily="2" charset="0"/>
+              </a:rPr>
+              <a:t>      </a:t>
+            </a:r>
+            <a:r>
+              <a:rPr lang="en-GB" sz="2000" dirty="0">
                 <a:solidFill>
                   <a:srgbClr val="0070C0"/>
                 </a:solidFill>
@@ -5241,9 +5367,9 @@
                   </a:extLst>
                 </a:hlinkClick>
               </a:rPr>
-              <a:t>https://forms.gle/BcHSGo8NGEbkQoF99</a:t>
-            </a:r>
-            <a:endParaRPr lang="it-IT" sz="2000" dirty="0">
+              <a:t>https://forms.gle/7jn2jySb7zjjYYCq6</a:t>
+            </a:r>
+            <a:endParaRPr lang="en-GB" sz="2000" dirty="0">
               <a:solidFill>
                 <a:srgbClr val="0070C0"/>
               </a:solidFill>
@@ -5713,25 +5839,25 @@
           <a:lstStyle/>
           <a:p>
             <a:r>
-              <a:rPr lang="it-IT" sz="2000" dirty="0">
-                <a:latin typeface="Haarlem Deco DEMO" pitchFamily="2" charset="0"/>
-              </a:rPr>
-              <a:t>On Mac, Python2 is already installed. DO NOT UNINSTALL IT, or you will break your Mac! You still need to install Python3.</a:t>
-            </a:r>
-          </a:p>
-          <a:p>
-            <a:endParaRPr lang="it-IT" sz="2000" dirty="0">
+              <a:rPr lang="en-GB" sz="2000" dirty="0">
+                <a:latin typeface="Haarlem Deco DEMO" pitchFamily="2" charset="0"/>
+              </a:rPr>
+              <a:t>On Mac, Python2 or 3 are likely already installed. DO NOT UNINSTALL them, or you might break your Mac! You still need to install a separate Python3.</a:t>
+            </a:r>
+          </a:p>
+          <a:p>
+            <a:endParaRPr lang="en-GB" sz="2000" dirty="0">
               <a:latin typeface="Haarlem Deco DEMO" pitchFamily="2" charset="0"/>
             </a:endParaRPr>
           </a:p>
           <a:p>
             <a:r>
-              <a:rPr lang="it-IT" sz="2000" b="1" dirty="0">
+              <a:rPr lang="en-GB" sz="2000" b="1" dirty="0">
                 <a:latin typeface="Haarlem Deco DEMO" pitchFamily="2" charset="0"/>
               </a:rPr>
               <a:t>Choose one of the suggested installation:</a:t>
             </a:r>
-            <a:endParaRPr lang="it-IT" sz="2000" dirty="0">
+            <a:endParaRPr lang="en-GB" sz="2000" dirty="0">
               <a:latin typeface="Haarlem Deco DEMO" pitchFamily="2" charset="0"/>
             </a:endParaRPr>
           </a:p>
@@ -5741,7 +5867,7 @@
               <a:buChar char="•"/>
             </a:pPr>
             <a:r>
-              <a:rPr lang="it-IT" sz="2000" dirty="0">
+              <a:rPr lang="en-GB" sz="2000" dirty="0">
                 <a:solidFill>
                   <a:srgbClr val="0070C0"/>
                 </a:solidFill>
@@ -5757,7 +5883,7 @@
               <a:t>Anaconda</a:t>
             </a:r>
             <a:r>
-              <a:rPr lang="it-IT" sz="2000" dirty="0">
+              <a:rPr lang="en-GB" sz="2000" dirty="0">
                 <a:solidFill>
                   <a:srgbClr val="0070C0"/>
                 </a:solidFill>
@@ -5766,12 +5892,12 @@
               <a:t> </a:t>
             </a:r>
             <a:r>
-              <a:rPr lang="it-IT" sz="2000" dirty="0">
+              <a:rPr lang="en-GB" sz="2000" dirty="0">
                 <a:latin typeface="Haarlem Deco DEMO" pitchFamily="2" charset="0"/>
               </a:rPr>
               <a:t>(recommended, especially on Windows)</a:t>
             </a:r>
-            <a:endParaRPr lang="it-IT" sz="2000" dirty="0">
+            <a:endParaRPr lang="en-GB" sz="2000" dirty="0">
               <a:solidFill>
                 <a:srgbClr val="0070C0"/>
               </a:solidFill>
@@ -5784,7 +5910,7 @@
               <a:buChar char="•"/>
             </a:pPr>
             <a:r>
-              <a:rPr lang="it-IT" sz="2000" dirty="0">
+              <a:rPr lang="en-GB" sz="2000" dirty="0" err="1">
                 <a:solidFill>
                   <a:srgbClr val="0070C0"/>
                 </a:solidFill>
@@ -5800,7 +5926,7 @@
               <a:t>Miniconda</a:t>
             </a:r>
             <a:r>
-              <a:rPr lang="it-IT" sz="2000" dirty="0">
+              <a:rPr lang="en-GB" sz="2000" dirty="0">
                 <a:solidFill>
                   <a:srgbClr val="0070C0"/>
                 </a:solidFill>
@@ -5809,25 +5935,43 @@
               <a:t> </a:t>
             </a:r>
             <a:r>
-              <a:rPr lang="it-IT" sz="2000" dirty="0">
+              <a:rPr lang="en-GB" sz="2000" dirty="0">
                 <a:solidFill>
                   <a:schemeClr val="tx1"/>
                 </a:solidFill>
                 <a:latin typeface="Haarlem Deco DEMO" pitchFamily="2" charset="0"/>
               </a:rPr>
-              <a:t>(if you have low space on your PC </a:t>
-            </a:r>
-            <a:r>
-              <a:rPr lang="it-IT" sz="2000" b="1" dirty="0">
+              <a:t>(if </a:t>
+            </a:r>
+            <a:r>
+              <a:rPr lang="en-GB" sz="2000">
                 <a:solidFill>
                   <a:schemeClr val="tx1"/>
                 </a:solidFill>
                 <a:latin typeface="Haarlem Deco DEMO" pitchFamily="2" charset="0"/>
               </a:rPr>
+              <a:t>you either have </a:t>
+            </a:r>
+            <a:r>
+              <a:rPr lang="en-GB" sz="2000" dirty="0">
+                <a:solidFill>
+                  <a:schemeClr val="tx1"/>
+                </a:solidFill>
+                <a:latin typeface="Haarlem Deco DEMO" pitchFamily="2" charset="0"/>
+              </a:rPr>
+              <a:t>little space on your PC </a:t>
+            </a:r>
+            <a:r>
+              <a:rPr lang="en-GB" sz="2000" b="1" dirty="0">
+                <a:solidFill>
+                  <a:schemeClr val="tx1"/>
+                </a:solidFill>
+                <a:latin typeface="Haarlem Deco DEMO" pitchFamily="2" charset="0"/>
+              </a:rPr>
               <a:t>or</a:t>
             </a:r>
             <a:r>
-              <a:rPr lang="it-IT" sz="2000" dirty="0">
+              <a:rPr lang="en-GB" sz="2000" dirty="0">
                 <a:solidFill>
                   <a:schemeClr val="tx1"/>
                 </a:solidFill>
@@ -5835,7 +5979,7 @@
               </a:rPr>
               <a:t> you know how to use the terminal in place of a GUI)</a:t>
             </a:r>
-            <a:endParaRPr lang="it-IT" sz="2000" dirty="0">
+            <a:endParaRPr lang="en-GB" sz="2000" dirty="0">
               <a:solidFill>
                 <a:srgbClr val="0070C0"/>
               </a:solidFill>
@@ -5848,7 +5992,7 @@
               <a:buChar char="•"/>
             </a:pPr>
             <a:r>
-              <a:rPr lang="it-IT" sz="2000" dirty="0">
+              <a:rPr lang="en-GB" sz="2000" dirty="0">
                 <a:solidFill>
                   <a:srgbClr val="0070C0"/>
                 </a:solidFill>
@@ -5864,7 +6008,7 @@
               <a:t>Python.org (Vanilla Python)</a:t>
             </a:r>
             <a:r>
-              <a:rPr lang="it-IT" sz="2000" dirty="0">
+              <a:rPr lang="en-GB" sz="2000" dirty="0">
                 <a:solidFill>
                   <a:schemeClr val="tx1"/>
                 </a:solidFill>
@@ -5872,7 +6016,7 @@
               </a:rPr>
               <a:t> (not particularly recommended)</a:t>
             </a:r>
-            <a:endParaRPr lang="it-IT" sz="2000" dirty="0">
+            <a:endParaRPr lang="en-GB" sz="2000" dirty="0">
               <a:solidFill>
                 <a:srgbClr val="0070C0"/>
               </a:solidFill>
@@ -5885,7 +6029,7 @@
               <a:buChar char="•"/>
             </a:pPr>
             <a:r>
-              <a:rPr lang="it-IT" sz="2000" dirty="0">
+              <a:rPr lang="en-GB" sz="2000" dirty="0">
                 <a:solidFill>
                   <a:srgbClr val="0070C0"/>
                 </a:solidFill>
@@ -5898,19 +6042,35 @@
                   </a:extLst>
                 </a:hlinkClick>
               </a:rPr>
-              <a:t>Google Colab</a:t>
-            </a:r>
-            <a:r>
-              <a:rPr lang="it-IT" sz="2000" dirty="0">
+              <a:t>Google </a:t>
+            </a:r>
+            <a:r>
+              <a:rPr lang="en-GB" sz="2000" dirty="0" err="1">
                 <a:solidFill>
                   <a:srgbClr val="0070C0"/>
                 </a:solidFill>
                 <a:latin typeface="Haarlem Deco DEMO" pitchFamily="2" charset="0"/>
+                <a:hlinkClick r:id="rId6">
+                  <a:extLst>
+                    <a:ext uri="{A12FA001-AC4F-418D-AE19-62706E023703}">
+                      <ahyp:hlinkClr xmlns:ahyp="http://schemas.microsoft.com/office/drawing/2018/hyperlinkcolor" val="tx"/>
+                    </a:ext>
+                  </a:extLst>
+                </a:hlinkClick>
+              </a:rPr>
+              <a:t>Colab</a:t>
+            </a:r>
+            <a:r>
+              <a:rPr lang="en-GB" sz="2000" dirty="0">
+                <a:solidFill>
+                  <a:srgbClr val="0070C0"/>
+                </a:solidFill>
+                <a:latin typeface="Haarlem Deco DEMO" pitchFamily="2" charset="0"/>
               </a:rPr>
               <a:t> </a:t>
             </a:r>
             <a:r>
-              <a:rPr lang="it-IT" sz="2000" dirty="0">
+              <a:rPr lang="en-GB" sz="2000" dirty="0">
                 <a:solidFill>
                   <a:schemeClr val="tx1"/>
                 </a:solidFill>
@@ -5919,7 +6079,7 @@
               <a:t>(no installation). You can run the first notebook with this </a:t>
             </a:r>
             <a:r>
-              <a:rPr lang="it-IT" sz="2000" dirty="0">
+              <a:rPr lang="en-GB" sz="2000" dirty="0">
                 <a:solidFill>
                   <a:srgbClr val="0070C0"/>
                 </a:solidFill>
@@ -5934,7 +6094,7 @@
               </a:rPr>
               <a:t>link</a:t>
             </a:r>
-            <a:endParaRPr lang="it-IT" sz="2000" dirty="0">
+            <a:endParaRPr lang="en-GB" sz="2000" dirty="0">
               <a:solidFill>
                 <a:srgbClr val="0070C0"/>
               </a:solidFill>
